--- a/0.Prototype.pptx
+++ b/0.Prototype.pptx
@@ -199,7 +199,7 @@
           <a:p>
             <a:fld id="{056BA3B8-9F76-4D81-B71D-76CB85363062}" type="datetimeFigureOut">
               <a:rPr lang="en-US" smtClean="0"/>
-              <a:t>1/8/2025</a:t>
+              <a:t>3/10/2025</a:t>
             </a:fld>
             <a:endParaRPr lang="en-US"/>
           </a:p>
@@ -598,7 +598,7 @@
           <a:p>
             <a:fld id="{6F01DA4D-20EA-48D2-973C-0311EC3005D6}" type="datetimeFigureOut">
               <a:rPr lang="en-US" smtClean="0"/>
-              <a:t>1/8/2025</a:t>
+              <a:t>3/10/2025</a:t>
             </a:fld>
             <a:endParaRPr lang="en-US"/>
           </a:p>
@@ -768,7 +768,7 @@
           <a:p>
             <a:fld id="{6F01DA4D-20EA-48D2-973C-0311EC3005D6}" type="datetimeFigureOut">
               <a:rPr lang="en-US" smtClean="0"/>
-              <a:t>1/8/2025</a:t>
+              <a:t>3/10/2025</a:t>
             </a:fld>
             <a:endParaRPr lang="en-US"/>
           </a:p>
@@ -948,7 +948,7 @@
           <a:p>
             <a:fld id="{6F01DA4D-20EA-48D2-973C-0311EC3005D6}" type="datetimeFigureOut">
               <a:rPr lang="en-US" smtClean="0"/>
-              <a:t>1/8/2025</a:t>
+              <a:t>3/10/2025</a:t>
             </a:fld>
             <a:endParaRPr lang="en-US"/>
           </a:p>
@@ -1118,7 +1118,7 @@
           <a:p>
             <a:fld id="{6F01DA4D-20EA-48D2-973C-0311EC3005D6}" type="datetimeFigureOut">
               <a:rPr lang="en-US" smtClean="0"/>
-              <a:t>1/8/2025</a:t>
+              <a:t>3/10/2025</a:t>
             </a:fld>
             <a:endParaRPr lang="en-US"/>
           </a:p>
@@ -1364,7 +1364,7 @@
           <a:p>
             <a:fld id="{6F01DA4D-20EA-48D2-973C-0311EC3005D6}" type="datetimeFigureOut">
               <a:rPr lang="en-US" smtClean="0"/>
-              <a:t>1/8/2025</a:t>
+              <a:t>3/10/2025</a:t>
             </a:fld>
             <a:endParaRPr lang="en-US"/>
           </a:p>
@@ -1596,7 +1596,7 @@
           <a:p>
             <a:fld id="{6F01DA4D-20EA-48D2-973C-0311EC3005D6}" type="datetimeFigureOut">
               <a:rPr lang="en-US" smtClean="0"/>
-              <a:t>1/8/2025</a:t>
+              <a:t>3/10/2025</a:t>
             </a:fld>
             <a:endParaRPr lang="en-US"/>
           </a:p>
@@ -1963,7 +1963,7 @@
           <a:p>
             <a:fld id="{6F01DA4D-20EA-48D2-973C-0311EC3005D6}" type="datetimeFigureOut">
               <a:rPr lang="en-US" smtClean="0"/>
-              <a:t>1/8/2025</a:t>
+              <a:t>3/10/2025</a:t>
             </a:fld>
             <a:endParaRPr lang="en-US"/>
           </a:p>
@@ -2081,7 +2081,7 @@
           <a:p>
             <a:fld id="{6F01DA4D-20EA-48D2-973C-0311EC3005D6}" type="datetimeFigureOut">
               <a:rPr lang="en-US" smtClean="0"/>
-              <a:t>1/8/2025</a:t>
+              <a:t>3/10/2025</a:t>
             </a:fld>
             <a:endParaRPr lang="en-US"/>
           </a:p>
@@ -2176,7 +2176,7 @@
           <a:p>
             <a:fld id="{6F01DA4D-20EA-48D2-973C-0311EC3005D6}" type="datetimeFigureOut">
               <a:rPr lang="en-US" smtClean="0"/>
-              <a:t>1/8/2025</a:t>
+              <a:t>3/10/2025</a:t>
             </a:fld>
             <a:endParaRPr lang="en-US"/>
           </a:p>
@@ -2453,7 +2453,7 @@
           <a:p>
             <a:fld id="{6F01DA4D-20EA-48D2-973C-0311EC3005D6}" type="datetimeFigureOut">
               <a:rPr lang="en-US" smtClean="0"/>
-              <a:t>1/8/2025</a:t>
+              <a:t>3/10/2025</a:t>
             </a:fld>
             <a:endParaRPr lang="en-US"/>
           </a:p>
@@ -2706,7 +2706,7 @@
           <a:p>
             <a:fld id="{6F01DA4D-20EA-48D2-973C-0311EC3005D6}" type="datetimeFigureOut">
               <a:rPr lang="en-US" smtClean="0"/>
-              <a:t>1/8/2025</a:t>
+              <a:t>3/10/2025</a:t>
             </a:fld>
             <a:endParaRPr lang="en-US"/>
           </a:p>
@@ -2919,7 +2919,7 @@
           <a:p>
             <a:fld id="{6F01DA4D-20EA-48D2-973C-0311EC3005D6}" type="datetimeFigureOut">
               <a:rPr lang="en-US" smtClean="0"/>
-              <a:t>1/8/2025</a:t>
+              <a:t>3/10/2025</a:t>
             </a:fld>
             <a:endParaRPr lang="en-US"/>
           </a:p>
@@ -3384,7 +3384,7 @@
         </p:nvSpPr>
         <p:spPr>
           <a:xfrm>
-            <a:off x="1890431" y="2217862"/>
+            <a:off x="1746052" y="2073483"/>
             <a:ext cx="8362867" cy="1323439"/>
           </a:xfrm>
           <a:prstGeom prst="rect">
